--- a/Brand Blog marketing slide.pptx
+++ b/Brand Blog marketing slide.pptx
@@ -104,7 +104,57 @@
       </a:defRPr>
     </a:lvl9pPr>
   </p:defaultTextStyle>
+  <p:extLst>
+    <p:ext uri="{EFAFB233-063F-42B5-8137-9DF3F51BA10A}">
+      <p15:sldGuideLst xmlns:p15="http://schemas.microsoft.com/office/powerpoint/2012/main"/>
+    </p:ext>
+  </p:extLst>
 </p:presentation>
+</file>
+
+<file path=ppt/revisionInfo.xml><?xml version="1.0" encoding="utf-8"?>
+<p1510:revInfo xmlns:a="http://schemas.openxmlformats.org/drawingml/2006/main" xmlns:r="http://schemas.openxmlformats.org/officeDocument/2006/relationships" xmlns:p1510="http://schemas.microsoft.com/office/powerpoint/2015/10/main">
+  <p1510:revLst>
+    <p1510:client id="{55D26D1B-99D3-496D-817D-D09C37452543}" v="4" dt="2019-04-24T16:39:13.550"/>
+  </p1510:revLst>
+</p1510:revInfo>
+</file>
+
+<file path=ppt/changesInfos/changesInfo1.xml><?xml version="1.0" encoding="utf-8"?>
+<pc:chgInfo xmlns:a="http://schemas.openxmlformats.org/drawingml/2006/main" xmlns:r="http://schemas.openxmlformats.org/officeDocument/2006/relationships" xmlns:ac="http://schemas.microsoft.com/office/drawing/2013/main/command" xmlns:pc="http://schemas.microsoft.com/office/powerpoint/2013/main/command">
+  <pc:docChgLst>
+    <pc:chgData name="david orekoya" userId="e021048805809ffe" providerId="LiveId" clId="{55D26D1B-99D3-496D-817D-D09C37452543}"/>
+    <pc:docChg chg="custSel modSld">
+      <pc:chgData name="david orekoya" userId="e021048805809ffe" providerId="LiveId" clId="{55D26D1B-99D3-496D-817D-D09C37452543}" dt="2019-04-24T16:39:13.440" v="11" actId="20577"/>
+      <pc:docMkLst>
+        <pc:docMk/>
+      </pc:docMkLst>
+      <pc:sldChg chg="addSp delSp modSp">
+        <pc:chgData name="david orekoya" userId="e021048805809ffe" providerId="LiveId" clId="{55D26D1B-99D3-496D-817D-D09C37452543}" dt="2019-04-24T16:39:13.440" v="11" actId="20577"/>
+        <pc:sldMkLst>
+          <pc:docMk/>
+          <pc:sldMk cId="2044468750" sldId="256"/>
+        </pc:sldMkLst>
+        <pc:spChg chg="add del mod">
+          <ac:chgData name="david orekoya" userId="e021048805809ffe" providerId="LiveId" clId="{55D26D1B-99D3-496D-817D-D09C37452543}" dt="2019-04-24T16:38:41.188" v="4" actId="478"/>
+          <ac:spMkLst>
+            <pc:docMk/>
+            <pc:sldMk cId="2044468750" sldId="256"/>
+            <ac:spMk id="4" creationId="{2C40437E-70E9-4EE5-8BF8-9296D3FF2B52}"/>
+          </ac:spMkLst>
+        </pc:spChg>
+        <pc:spChg chg="add mod">
+          <ac:chgData name="david orekoya" userId="e021048805809ffe" providerId="LiveId" clId="{55D26D1B-99D3-496D-817D-D09C37452543}" dt="2019-04-24T16:39:13.440" v="11" actId="20577"/>
+          <ac:spMkLst>
+            <pc:docMk/>
+            <pc:sldMk cId="2044468750" sldId="256"/>
+            <ac:spMk id="6" creationId="{35799405-4FEF-4B55-892B-02606D36CBD0}"/>
+          </ac:spMkLst>
+        </pc:spChg>
+      </pc:sldChg>
+    </pc:docChg>
+  </pc:docChgLst>
+</pc:chgInfo>
 </file>
 
 <file path=ppt/slideLayouts/slideLayout1.xml><?xml version="1.0" encoding="utf-8"?>
@@ -4154,6 +4204,47 @@
           </a:prstGeom>
         </p:spPr>
       </p:pic>
+      <p:sp>
+        <p:nvSpPr>
+          <p:cNvPr id="6" name="TextBox 5">
+            <a:extLst>
+              <a:ext uri="{FF2B5EF4-FFF2-40B4-BE49-F238E27FC236}">
+                <a16:creationId xmlns:a16="http://schemas.microsoft.com/office/drawing/2014/main" id="{35799405-4FEF-4B55-892B-02606D36CBD0}"/>
+              </a:ext>
+            </a:extLst>
+          </p:cNvPr>
+          <p:cNvSpPr txBox="1"/>
+          <p:nvPr/>
+        </p:nvSpPr>
+        <p:spPr>
+          <a:xfrm>
+            <a:off x="317358" y="4918770"/>
+            <a:ext cx="5022574" cy="646331"/>
+          </a:xfrm>
+          <a:prstGeom prst="rect">
+            <a:avLst/>
+          </a:prstGeom>
+          <a:noFill/>
+        </p:spPr>
+        <p:txBody>
+          <a:bodyPr wrap="square" rtlCol="0">
+            <a:spAutoFit/>
+          </a:bodyPr>
+          <a:lstStyle/>
+          <a:p>
+            <a:r>
+              <a:rPr lang="en-US" dirty="0">
+                <a:hlinkClick r:id="rId7"/>
+              </a:rPr>
+              <a:t>https://github.com/ksu-is/brand-blog</a:t>
+            </a:r>
+            <a:endParaRPr lang="en-US" dirty="0"/>
+          </a:p>
+          <a:p>
+            <a:endParaRPr lang="en-US" dirty="0"/>
+          </a:p>
+        </p:txBody>
+      </p:sp>
     </p:spTree>
     <p:extLst>
       <p:ext uri="{BB962C8B-B14F-4D97-AF65-F5344CB8AC3E}">
